--- a/img/framework.pptx
+++ b/img/framework.pptx
@@ -945,6 +945,846 @@
         </pc:cxnChg>
         <pc:cxnChg chg="mod">
           <ac:chgData name="Tang Bo" userId="332dbdf67b1791cd" providerId="LiveId" clId="{CE3816EF-3B91-4351-9B10-CC1AE4CD1A12}" dt="2023-01-29T20:10:15.446" v="19" actId="20577"/>
+          <ac:cxnSpMkLst>
+            <pc:docMk/>
+            <pc:sldMk cId="903144683" sldId="258"/>
+            <ac:cxnSpMk id="165" creationId="{ACD1F149-2433-2496-08C2-7BB9473FD833}"/>
+          </ac:cxnSpMkLst>
+        </pc:cxnChg>
+      </pc:sldChg>
+    </pc:docChg>
+  </pc:docChgLst>
+  <pc:docChgLst>
+    <pc:chgData name="Tang Bo" userId="332dbdf67b1791cd" providerId="LiveId" clId="{D95FFDC4-993C-4261-8C38-13C9E96352CE}"/>
+    <pc:docChg chg="modSld">
+      <pc:chgData name="Tang Bo" userId="332dbdf67b1791cd" providerId="LiveId" clId="{D95FFDC4-993C-4261-8C38-13C9E96352CE}" dt="2023-02-07T10:15:06.056" v="1" actId="20577"/>
+      <pc:docMkLst>
+        <pc:docMk/>
+      </pc:docMkLst>
+      <pc:sldChg chg="modSp">
+        <pc:chgData name="Tang Bo" userId="332dbdf67b1791cd" providerId="LiveId" clId="{D95FFDC4-993C-4261-8C38-13C9E96352CE}" dt="2023-02-07T10:15:06.056" v="1" actId="20577"/>
+        <pc:sldMkLst>
+          <pc:docMk/>
+          <pc:sldMk cId="903144683" sldId="258"/>
+        </pc:sldMkLst>
+        <pc:spChg chg="mod">
+          <ac:chgData name="Tang Bo" userId="332dbdf67b1791cd" providerId="LiveId" clId="{D95FFDC4-993C-4261-8C38-13C9E96352CE}" dt="2023-02-07T10:15:06.056" v="1" actId="20577"/>
+          <ac:spMkLst>
+            <pc:docMk/>
+            <pc:sldMk cId="903144683" sldId="258"/>
+            <ac:spMk id="2" creationId="{3CABF35A-B53A-C059-FA3F-C74E1F9A662F}"/>
+          </ac:spMkLst>
+        </pc:spChg>
+        <pc:spChg chg="mod">
+          <ac:chgData name="Tang Bo" userId="332dbdf67b1791cd" providerId="LiveId" clId="{D95FFDC4-993C-4261-8C38-13C9E96352CE}" dt="2023-02-07T10:15:06.056" v="1" actId="20577"/>
+          <ac:spMkLst>
+            <pc:docMk/>
+            <pc:sldMk cId="903144683" sldId="258"/>
+            <ac:spMk id="31" creationId="{2BEFC887-8743-9AF9-2FC0-E24C3DD317B4}"/>
+          </ac:spMkLst>
+        </pc:spChg>
+        <pc:spChg chg="mod">
+          <ac:chgData name="Tang Bo" userId="332dbdf67b1791cd" providerId="LiveId" clId="{D95FFDC4-993C-4261-8C38-13C9E96352CE}" dt="2023-02-07T10:15:06.056" v="1" actId="20577"/>
+          <ac:spMkLst>
+            <pc:docMk/>
+            <pc:sldMk cId="903144683" sldId="258"/>
+            <ac:spMk id="34" creationId="{7CD9FE02-C6FB-EA34-1DE4-3B0DC407F0BA}"/>
+          </ac:spMkLst>
+        </pc:spChg>
+        <pc:spChg chg="mod">
+          <ac:chgData name="Tang Bo" userId="332dbdf67b1791cd" providerId="LiveId" clId="{D95FFDC4-993C-4261-8C38-13C9E96352CE}" dt="2023-02-07T10:15:06.056" v="1" actId="20577"/>
+          <ac:spMkLst>
+            <pc:docMk/>
+            <pc:sldMk cId="903144683" sldId="258"/>
+            <ac:spMk id="35" creationId="{CF879DC1-1311-5E3D-C3C5-18B2CDB8C36B}"/>
+          </ac:spMkLst>
+        </pc:spChg>
+        <pc:spChg chg="mod">
+          <ac:chgData name="Tang Bo" userId="332dbdf67b1791cd" providerId="LiveId" clId="{D95FFDC4-993C-4261-8C38-13C9E96352CE}" dt="2023-02-07T10:15:06.056" v="1" actId="20577"/>
+          <ac:spMkLst>
+            <pc:docMk/>
+            <pc:sldMk cId="903144683" sldId="258"/>
+            <ac:spMk id="41" creationId="{87CF3484-3613-7A00-8306-36FF7DEA0BEC}"/>
+          </ac:spMkLst>
+        </pc:spChg>
+        <pc:spChg chg="mod">
+          <ac:chgData name="Tang Bo" userId="332dbdf67b1791cd" providerId="LiveId" clId="{D95FFDC4-993C-4261-8C38-13C9E96352CE}" dt="2023-02-07T10:15:06.056" v="1" actId="20577"/>
+          <ac:spMkLst>
+            <pc:docMk/>
+            <pc:sldMk cId="903144683" sldId="258"/>
+            <ac:spMk id="42" creationId="{9712B513-E2ED-3D02-9DC7-69B7BD3FDF4E}"/>
+          </ac:spMkLst>
+        </pc:spChg>
+        <pc:spChg chg="mod">
+          <ac:chgData name="Tang Bo" userId="332dbdf67b1791cd" providerId="LiveId" clId="{D95FFDC4-993C-4261-8C38-13C9E96352CE}" dt="2023-02-07T10:15:06.056" v="1" actId="20577"/>
+          <ac:spMkLst>
+            <pc:docMk/>
+            <pc:sldMk cId="903144683" sldId="258"/>
+            <ac:spMk id="43" creationId="{3C6FF810-54A3-9170-ECC4-990AC00FF134}"/>
+          </ac:spMkLst>
+        </pc:spChg>
+        <pc:spChg chg="mod">
+          <ac:chgData name="Tang Bo" userId="332dbdf67b1791cd" providerId="LiveId" clId="{D95FFDC4-993C-4261-8C38-13C9E96352CE}" dt="2023-02-07T10:15:06.056" v="1" actId="20577"/>
+          <ac:spMkLst>
+            <pc:docMk/>
+            <pc:sldMk cId="903144683" sldId="258"/>
+            <ac:spMk id="44" creationId="{B2609E2F-761A-0779-4042-589A7C5637D2}"/>
+          </ac:spMkLst>
+        </pc:spChg>
+        <pc:spChg chg="mod">
+          <ac:chgData name="Tang Bo" userId="332dbdf67b1791cd" providerId="LiveId" clId="{D95FFDC4-993C-4261-8C38-13C9E96352CE}" dt="2023-02-07T10:15:06.056" v="1" actId="20577"/>
+          <ac:spMkLst>
+            <pc:docMk/>
+            <pc:sldMk cId="903144683" sldId="258"/>
+            <ac:spMk id="45" creationId="{80FBA6F6-955D-FC97-D2A8-BECF969B9A8E}"/>
+          </ac:spMkLst>
+        </pc:spChg>
+        <pc:spChg chg="mod">
+          <ac:chgData name="Tang Bo" userId="332dbdf67b1791cd" providerId="LiveId" clId="{D95FFDC4-993C-4261-8C38-13C9E96352CE}" dt="2023-02-07T10:15:06.056" v="1" actId="20577"/>
+          <ac:spMkLst>
+            <pc:docMk/>
+            <pc:sldMk cId="903144683" sldId="258"/>
+            <ac:spMk id="48" creationId="{98258E92-B035-0FEA-419A-93ECE7D665FE}"/>
+          </ac:spMkLst>
+        </pc:spChg>
+        <pc:spChg chg="mod">
+          <ac:chgData name="Tang Bo" userId="332dbdf67b1791cd" providerId="LiveId" clId="{D95FFDC4-993C-4261-8C38-13C9E96352CE}" dt="2023-02-07T10:15:06.056" v="1" actId="20577"/>
+          <ac:spMkLst>
+            <pc:docMk/>
+            <pc:sldMk cId="903144683" sldId="258"/>
+            <ac:spMk id="49" creationId="{72750316-164B-9F65-64EC-F1152FFACC83}"/>
+          </ac:spMkLst>
+        </pc:spChg>
+        <pc:spChg chg="mod">
+          <ac:chgData name="Tang Bo" userId="332dbdf67b1791cd" providerId="LiveId" clId="{D95FFDC4-993C-4261-8C38-13C9E96352CE}" dt="2023-02-07T10:15:06.056" v="1" actId="20577"/>
+          <ac:spMkLst>
+            <pc:docMk/>
+            <pc:sldMk cId="903144683" sldId="258"/>
+            <ac:spMk id="50" creationId="{61DAB6BA-5364-930E-5DB0-975010BB656E}"/>
+          </ac:spMkLst>
+        </pc:spChg>
+        <pc:spChg chg="mod">
+          <ac:chgData name="Tang Bo" userId="332dbdf67b1791cd" providerId="LiveId" clId="{D95FFDC4-993C-4261-8C38-13C9E96352CE}" dt="2023-02-07T10:15:06.056" v="1" actId="20577"/>
+          <ac:spMkLst>
+            <pc:docMk/>
+            <pc:sldMk cId="903144683" sldId="258"/>
+            <ac:spMk id="51" creationId="{94EA3D84-2DEA-3A53-AF8F-ABC616B070E8}"/>
+          </ac:spMkLst>
+        </pc:spChg>
+        <pc:spChg chg="mod">
+          <ac:chgData name="Tang Bo" userId="332dbdf67b1791cd" providerId="LiveId" clId="{D95FFDC4-993C-4261-8C38-13C9E96352CE}" dt="2023-02-07T10:15:06.056" v="1" actId="20577"/>
+          <ac:spMkLst>
+            <pc:docMk/>
+            <pc:sldMk cId="903144683" sldId="258"/>
+            <ac:spMk id="54" creationId="{E2528A63-D222-F167-D981-164863DA62F3}"/>
+          </ac:spMkLst>
+        </pc:spChg>
+        <pc:spChg chg="mod">
+          <ac:chgData name="Tang Bo" userId="332dbdf67b1791cd" providerId="LiveId" clId="{D95FFDC4-993C-4261-8C38-13C9E96352CE}" dt="2023-02-07T10:15:06.056" v="1" actId="20577"/>
+          <ac:spMkLst>
+            <pc:docMk/>
+            <pc:sldMk cId="903144683" sldId="258"/>
+            <ac:spMk id="55" creationId="{9D87FEC3-06D0-19DF-2863-93874198C265}"/>
+          </ac:spMkLst>
+        </pc:spChg>
+        <pc:spChg chg="mod">
+          <ac:chgData name="Tang Bo" userId="332dbdf67b1791cd" providerId="LiveId" clId="{D95FFDC4-993C-4261-8C38-13C9E96352CE}" dt="2023-02-07T10:15:06.056" v="1" actId="20577"/>
+          <ac:spMkLst>
+            <pc:docMk/>
+            <pc:sldMk cId="903144683" sldId="258"/>
+            <ac:spMk id="56" creationId="{C45FED62-2934-C3B2-6E16-2D2DFF3ED262}"/>
+          </ac:spMkLst>
+        </pc:spChg>
+        <pc:spChg chg="mod">
+          <ac:chgData name="Tang Bo" userId="332dbdf67b1791cd" providerId="LiveId" clId="{D95FFDC4-993C-4261-8C38-13C9E96352CE}" dt="2023-02-07T10:15:06.056" v="1" actId="20577"/>
+          <ac:spMkLst>
+            <pc:docMk/>
+            <pc:sldMk cId="903144683" sldId="258"/>
+            <ac:spMk id="57" creationId="{D499DA60-29DC-450A-0A18-344328C0D0F8}"/>
+          </ac:spMkLst>
+        </pc:spChg>
+        <pc:spChg chg="mod">
+          <ac:chgData name="Tang Bo" userId="332dbdf67b1791cd" providerId="LiveId" clId="{D95FFDC4-993C-4261-8C38-13C9E96352CE}" dt="2023-02-07T10:15:06.056" v="1" actId="20577"/>
+          <ac:spMkLst>
+            <pc:docMk/>
+            <pc:sldMk cId="903144683" sldId="258"/>
+            <ac:spMk id="59" creationId="{2B3718FF-FCF3-C613-6FEC-85420E8D3B65}"/>
+          </ac:spMkLst>
+        </pc:spChg>
+        <pc:spChg chg="mod">
+          <ac:chgData name="Tang Bo" userId="332dbdf67b1791cd" providerId="LiveId" clId="{D95FFDC4-993C-4261-8C38-13C9E96352CE}" dt="2023-02-07T10:15:06.056" v="1" actId="20577"/>
+          <ac:spMkLst>
+            <pc:docMk/>
+            <pc:sldMk cId="903144683" sldId="258"/>
+            <ac:spMk id="60" creationId="{1726BDAE-10F4-D0A8-E086-D91C08B934F5}"/>
+          </ac:spMkLst>
+        </pc:spChg>
+        <pc:spChg chg="mod">
+          <ac:chgData name="Tang Bo" userId="332dbdf67b1791cd" providerId="LiveId" clId="{D95FFDC4-993C-4261-8C38-13C9E96352CE}" dt="2023-02-07T10:15:06.056" v="1" actId="20577"/>
+          <ac:spMkLst>
+            <pc:docMk/>
+            <pc:sldMk cId="903144683" sldId="258"/>
+            <ac:spMk id="61" creationId="{66B61F22-4036-3449-AF40-A5A60865269B}"/>
+          </ac:spMkLst>
+        </pc:spChg>
+        <pc:spChg chg="mod">
+          <ac:chgData name="Tang Bo" userId="332dbdf67b1791cd" providerId="LiveId" clId="{D95FFDC4-993C-4261-8C38-13C9E96352CE}" dt="2023-02-07T10:15:06.056" v="1" actId="20577"/>
+          <ac:spMkLst>
+            <pc:docMk/>
+            <pc:sldMk cId="903144683" sldId="258"/>
+            <ac:spMk id="62" creationId="{4A652348-911B-5331-075F-1BB71BD6DC0F}"/>
+          </ac:spMkLst>
+        </pc:spChg>
+        <pc:spChg chg="mod">
+          <ac:chgData name="Tang Bo" userId="332dbdf67b1791cd" providerId="LiveId" clId="{D95FFDC4-993C-4261-8C38-13C9E96352CE}" dt="2023-02-07T10:15:06.056" v="1" actId="20577"/>
+          <ac:spMkLst>
+            <pc:docMk/>
+            <pc:sldMk cId="903144683" sldId="258"/>
+            <ac:spMk id="63" creationId="{4AE4B311-9418-A882-5936-51358C412572}"/>
+          </ac:spMkLst>
+        </pc:spChg>
+        <pc:spChg chg="mod">
+          <ac:chgData name="Tang Bo" userId="332dbdf67b1791cd" providerId="LiveId" clId="{D95FFDC4-993C-4261-8C38-13C9E96352CE}" dt="2023-02-07T10:15:06.056" v="1" actId="20577"/>
+          <ac:spMkLst>
+            <pc:docMk/>
+            <pc:sldMk cId="903144683" sldId="258"/>
+            <ac:spMk id="64" creationId="{0F632087-DE58-9B13-7197-3C9226148CD0}"/>
+          </ac:spMkLst>
+        </pc:spChg>
+        <pc:spChg chg="mod">
+          <ac:chgData name="Tang Bo" userId="332dbdf67b1791cd" providerId="LiveId" clId="{D95FFDC4-993C-4261-8C38-13C9E96352CE}" dt="2023-02-07T10:15:06.056" v="1" actId="20577"/>
+          <ac:spMkLst>
+            <pc:docMk/>
+            <pc:sldMk cId="903144683" sldId="258"/>
+            <ac:spMk id="65" creationId="{8D515775-EDBF-1771-DC90-C43F8CC3DDA0}"/>
+          </ac:spMkLst>
+        </pc:spChg>
+        <pc:spChg chg="mod">
+          <ac:chgData name="Tang Bo" userId="332dbdf67b1791cd" providerId="LiveId" clId="{D95FFDC4-993C-4261-8C38-13C9E96352CE}" dt="2023-02-07T10:15:06.056" v="1" actId="20577"/>
+          <ac:spMkLst>
+            <pc:docMk/>
+            <pc:sldMk cId="903144683" sldId="258"/>
+            <ac:spMk id="66" creationId="{52E08856-0FD7-E67D-EFB1-32B0D0C5A938}"/>
+          </ac:spMkLst>
+        </pc:spChg>
+        <pc:spChg chg="mod">
+          <ac:chgData name="Tang Bo" userId="332dbdf67b1791cd" providerId="LiveId" clId="{D95FFDC4-993C-4261-8C38-13C9E96352CE}" dt="2023-02-07T10:15:06.056" v="1" actId="20577"/>
+          <ac:spMkLst>
+            <pc:docMk/>
+            <pc:sldMk cId="903144683" sldId="258"/>
+            <ac:spMk id="82" creationId="{DBED0CDC-BED3-539F-C7CF-CD0C65FFCCAF}"/>
+          </ac:spMkLst>
+        </pc:spChg>
+        <pc:spChg chg="mod">
+          <ac:chgData name="Tang Bo" userId="332dbdf67b1791cd" providerId="LiveId" clId="{D95FFDC4-993C-4261-8C38-13C9E96352CE}" dt="2023-02-07T10:15:06.056" v="1" actId="20577"/>
+          <ac:spMkLst>
+            <pc:docMk/>
+            <pc:sldMk cId="903144683" sldId="258"/>
+            <ac:spMk id="84" creationId="{6EFDFC70-0ACB-E40D-0403-8565EEA963EB}"/>
+          </ac:spMkLst>
+        </pc:spChg>
+        <pc:spChg chg="mod">
+          <ac:chgData name="Tang Bo" userId="332dbdf67b1791cd" providerId="LiveId" clId="{D95FFDC4-993C-4261-8C38-13C9E96352CE}" dt="2023-02-07T10:15:06.056" v="1" actId="20577"/>
+          <ac:spMkLst>
+            <pc:docMk/>
+            <pc:sldMk cId="903144683" sldId="258"/>
+            <ac:spMk id="108" creationId="{EF931E91-D410-E223-C62B-B44801514C89}"/>
+          </ac:spMkLst>
+        </pc:spChg>
+        <pc:spChg chg="mod">
+          <ac:chgData name="Tang Bo" userId="332dbdf67b1791cd" providerId="LiveId" clId="{D95FFDC4-993C-4261-8C38-13C9E96352CE}" dt="2023-02-07T10:15:06.056" v="1" actId="20577"/>
+          <ac:spMkLst>
+            <pc:docMk/>
+            <pc:sldMk cId="903144683" sldId="258"/>
+            <ac:spMk id="109" creationId="{FB95F3EA-045A-55CA-7CCC-E3FBC7C18BB0}"/>
+          </ac:spMkLst>
+        </pc:spChg>
+        <pc:spChg chg="mod">
+          <ac:chgData name="Tang Bo" userId="332dbdf67b1791cd" providerId="LiveId" clId="{D95FFDC4-993C-4261-8C38-13C9E96352CE}" dt="2023-02-07T10:15:06.056" v="1" actId="20577"/>
+          <ac:spMkLst>
+            <pc:docMk/>
+            <pc:sldMk cId="903144683" sldId="258"/>
+            <ac:spMk id="111" creationId="{240F9D95-5E74-03EE-23B9-390D0457DC8E}"/>
+          </ac:spMkLst>
+        </pc:spChg>
+        <pc:spChg chg="mod">
+          <ac:chgData name="Tang Bo" userId="332dbdf67b1791cd" providerId="LiveId" clId="{D95FFDC4-993C-4261-8C38-13C9E96352CE}" dt="2023-02-07T10:15:06.056" v="1" actId="20577"/>
+          <ac:spMkLst>
+            <pc:docMk/>
+            <pc:sldMk cId="903144683" sldId="258"/>
+            <ac:spMk id="112" creationId="{F2003A81-12BD-32C8-A1BC-71225B0B9CBA}"/>
+          </ac:spMkLst>
+        </pc:spChg>
+        <pc:spChg chg="mod">
+          <ac:chgData name="Tang Bo" userId="332dbdf67b1791cd" providerId="LiveId" clId="{D95FFDC4-993C-4261-8C38-13C9E96352CE}" dt="2023-02-07T10:15:06.056" v="1" actId="20577"/>
+          <ac:spMkLst>
+            <pc:docMk/>
+            <pc:sldMk cId="903144683" sldId="258"/>
+            <ac:spMk id="113" creationId="{013E6998-42BF-41C0-401F-4AB02F39DB75}"/>
+          </ac:spMkLst>
+        </pc:spChg>
+        <pc:spChg chg="mod">
+          <ac:chgData name="Tang Bo" userId="332dbdf67b1791cd" providerId="LiveId" clId="{D95FFDC4-993C-4261-8C38-13C9E96352CE}" dt="2023-02-07T10:15:06.056" v="1" actId="20577"/>
+          <ac:spMkLst>
+            <pc:docMk/>
+            <pc:sldMk cId="903144683" sldId="258"/>
+            <ac:spMk id="117" creationId="{626AD2D4-0F64-818D-B52B-2C3CFE28C38F}"/>
+          </ac:spMkLst>
+        </pc:spChg>
+        <pc:spChg chg="mod">
+          <ac:chgData name="Tang Bo" userId="332dbdf67b1791cd" providerId="LiveId" clId="{D95FFDC4-993C-4261-8C38-13C9E96352CE}" dt="2023-02-07T10:15:06.056" v="1" actId="20577"/>
+          <ac:spMkLst>
+            <pc:docMk/>
+            <pc:sldMk cId="903144683" sldId="258"/>
+            <ac:spMk id="118" creationId="{D91B38B4-FAA6-9A6B-AE7F-B3D3142ED44B}"/>
+          </ac:spMkLst>
+        </pc:spChg>
+        <pc:spChg chg="mod">
+          <ac:chgData name="Tang Bo" userId="332dbdf67b1791cd" providerId="LiveId" clId="{D95FFDC4-993C-4261-8C38-13C9E96352CE}" dt="2023-02-07T10:15:06.056" v="1" actId="20577"/>
+          <ac:spMkLst>
+            <pc:docMk/>
+            <pc:sldMk cId="903144683" sldId="258"/>
+            <ac:spMk id="120" creationId="{5D684B18-7791-15F3-B845-084359836E98}"/>
+          </ac:spMkLst>
+        </pc:spChg>
+        <pc:spChg chg="mod">
+          <ac:chgData name="Tang Bo" userId="332dbdf67b1791cd" providerId="LiveId" clId="{D95FFDC4-993C-4261-8C38-13C9E96352CE}" dt="2023-02-07T10:15:06.056" v="1" actId="20577"/>
+          <ac:spMkLst>
+            <pc:docMk/>
+            <pc:sldMk cId="903144683" sldId="258"/>
+            <ac:spMk id="121" creationId="{68FC7C94-EA4B-4B61-FA50-A4FE78B52274}"/>
+          </ac:spMkLst>
+        </pc:spChg>
+        <pc:spChg chg="mod">
+          <ac:chgData name="Tang Bo" userId="332dbdf67b1791cd" providerId="LiveId" clId="{D95FFDC4-993C-4261-8C38-13C9E96352CE}" dt="2023-02-07T10:15:06.056" v="1" actId="20577"/>
+          <ac:spMkLst>
+            <pc:docMk/>
+            <pc:sldMk cId="903144683" sldId="258"/>
+            <ac:spMk id="122" creationId="{9FAF5037-799F-B6AC-11D3-9FB1769BBF76}"/>
+          </ac:spMkLst>
+        </pc:spChg>
+        <pc:spChg chg="mod">
+          <ac:chgData name="Tang Bo" userId="332dbdf67b1791cd" providerId="LiveId" clId="{D95FFDC4-993C-4261-8C38-13C9E96352CE}" dt="2023-02-07T10:15:06.056" v="1" actId="20577"/>
+          <ac:spMkLst>
+            <pc:docMk/>
+            <pc:sldMk cId="903144683" sldId="258"/>
+            <ac:spMk id="126" creationId="{36F1F485-026A-8745-5197-90932763530A}"/>
+          </ac:spMkLst>
+        </pc:spChg>
+        <pc:spChg chg="mod">
+          <ac:chgData name="Tang Bo" userId="332dbdf67b1791cd" providerId="LiveId" clId="{D95FFDC4-993C-4261-8C38-13C9E96352CE}" dt="2023-02-07T10:15:06.056" v="1" actId="20577"/>
+          <ac:spMkLst>
+            <pc:docMk/>
+            <pc:sldMk cId="903144683" sldId="258"/>
+            <ac:spMk id="127" creationId="{83B6AE27-7325-0E84-0BEC-41AB5DC4F41A}"/>
+          </ac:spMkLst>
+        </pc:spChg>
+        <pc:spChg chg="mod">
+          <ac:chgData name="Tang Bo" userId="332dbdf67b1791cd" providerId="LiveId" clId="{D95FFDC4-993C-4261-8C38-13C9E96352CE}" dt="2023-02-07T10:15:06.056" v="1" actId="20577"/>
+          <ac:spMkLst>
+            <pc:docMk/>
+            <pc:sldMk cId="903144683" sldId="258"/>
+            <ac:spMk id="128" creationId="{EDF7FAD8-6404-74A7-9107-0379F410A29D}"/>
+          </ac:spMkLst>
+        </pc:spChg>
+        <pc:spChg chg="mod">
+          <ac:chgData name="Tang Bo" userId="332dbdf67b1791cd" providerId="LiveId" clId="{D95FFDC4-993C-4261-8C38-13C9E96352CE}" dt="2023-02-07T10:15:06.056" v="1" actId="20577"/>
+          <ac:spMkLst>
+            <pc:docMk/>
+            <pc:sldMk cId="903144683" sldId="258"/>
+            <ac:spMk id="130" creationId="{D866EC25-92D0-592B-9D34-8A54B1965EEA}"/>
+          </ac:spMkLst>
+        </pc:spChg>
+        <pc:spChg chg="mod">
+          <ac:chgData name="Tang Bo" userId="332dbdf67b1791cd" providerId="LiveId" clId="{D95FFDC4-993C-4261-8C38-13C9E96352CE}" dt="2023-02-07T10:15:06.056" v="1" actId="20577"/>
+          <ac:spMkLst>
+            <pc:docMk/>
+            <pc:sldMk cId="903144683" sldId="258"/>
+            <ac:spMk id="131" creationId="{BC956536-BFC8-FA4D-53AD-9533ECC84ED6}"/>
+          </ac:spMkLst>
+        </pc:spChg>
+        <pc:spChg chg="mod">
+          <ac:chgData name="Tang Bo" userId="332dbdf67b1791cd" providerId="LiveId" clId="{D95FFDC4-993C-4261-8C38-13C9E96352CE}" dt="2023-02-07T10:15:06.056" v="1" actId="20577"/>
+          <ac:spMkLst>
+            <pc:docMk/>
+            <pc:sldMk cId="903144683" sldId="258"/>
+            <ac:spMk id="132" creationId="{79BD2F4D-2DCD-9878-EC6A-06BDA3C75A38}"/>
+          </ac:spMkLst>
+        </pc:spChg>
+        <pc:spChg chg="mod">
+          <ac:chgData name="Tang Bo" userId="332dbdf67b1791cd" providerId="LiveId" clId="{D95FFDC4-993C-4261-8C38-13C9E96352CE}" dt="2023-02-07T10:15:06.056" v="1" actId="20577"/>
+          <ac:spMkLst>
+            <pc:docMk/>
+            <pc:sldMk cId="903144683" sldId="258"/>
+            <ac:spMk id="135" creationId="{C8B83B94-1BCB-88BB-7C38-5CC2C84F1F99}"/>
+          </ac:spMkLst>
+        </pc:spChg>
+        <pc:spChg chg="mod">
+          <ac:chgData name="Tang Bo" userId="332dbdf67b1791cd" providerId="LiveId" clId="{D95FFDC4-993C-4261-8C38-13C9E96352CE}" dt="2023-02-07T10:15:06.056" v="1" actId="20577"/>
+          <ac:spMkLst>
+            <pc:docMk/>
+            <pc:sldMk cId="903144683" sldId="258"/>
+            <ac:spMk id="138" creationId="{F51EB06E-8F31-8409-960C-DCB7179B0D3D}"/>
+          </ac:spMkLst>
+        </pc:spChg>
+        <pc:spChg chg="mod">
+          <ac:chgData name="Tang Bo" userId="332dbdf67b1791cd" providerId="LiveId" clId="{D95FFDC4-993C-4261-8C38-13C9E96352CE}" dt="2023-02-07T10:15:06.056" v="1" actId="20577"/>
+          <ac:spMkLst>
+            <pc:docMk/>
+            <pc:sldMk cId="903144683" sldId="258"/>
+            <ac:spMk id="141" creationId="{B6208611-169F-EF93-8AAC-D98477E8C3CF}"/>
+          </ac:spMkLst>
+        </pc:spChg>
+        <pc:spChg chg="mod">
+          <ac:chgData name="Tang Bo" userId="332dbdf67b1791cd" providerId="LiveId" clId="{D95FFDC4-993C-4261-8C38-13C9E96352CE}" dt="2023-02-07T10:15:06.056" v="1" actId="20577"/>
+          <ac:spMkLst>
+            <pc:docMk/>
+            <pc:sldMk cId="903144683" sldId="258"/>
+            <ac:spMk id="144" creationId="{9008BF98-0FF0-9E08-B8E3-B381E65388BF}"/>
+          </ac:spMkLst>
+        </pc:spChg>
+        <pc:spChg chg="mod">
+          <ac:chgData name="Tang Bo" userId="332dbdf67b1791cd" providerId="LiveId" clId="{D95FFDC4-993C-4261-8C38-13C9E96352CE}" dt="2023-02-07T10:15:06.056" v="1" actId="20577"/>
+          <ac:spMkLst>
+            <pc:docMk/>
+            <pc:sldMk cId="903144683" sldId="258"/>
+            <ac:spMk id="148" creationId="{0118087B-43C2-7481-8059-D2E549B5E651}"/>
+          </ac:spMkLst>
+        </pc:spChg>
+        <pc:spChg chg="mod">
+          <ac:chgData name="Tang Bo" userId="332dbdf67b1791cd" providerId="LiveId" clId="{D95FFDC4-993C-4261-8C38-13C9E96352CE}" dt="2023-02-07T10:15:06.056" v="1" actId="20577"/>
+          <ac:spMkLst>
+            <pc:docMk/>
+            <pc:sldMk cId="903144683" sldId="258"/>
+            <ac:spMk id="151" creationId="{E9CB161E-3570-7B6D-A93F-3F0277226C07}"/>
+          </ac:spMkLst>
+        </pc:spChg>
+        <pc:spChg chg="mod">
+          <ac:chgData name="Tang Bo" userId="332dbdf67b1791cd" providerId="LiveId" clId="{D95FFDC4-993C-4261-8C38-13C9E96352CE}" dt="2023-02-07T10:15:06.056" v="1" actId="20577"/>
+          <ac:spMkLst>
+            <pc:docMk/>
+            <pc:sldMk cId="903144683" sldId="258"/>
+            <ac:spMk id="152" creationId="{D33459C7-1915-2CA2-82B3-0C55F5D79473}"/>
+          </ac:spMkLst>
+        </pc:spChg>
+        <pc:spChg chg="mod">
+          <ac:chgData name="Tang Bo" userId="332dbdf67b1791cd" providerId="LiveId" clId="{D95FFDC4-993C-4261-8C38-13C9E96352CE}" dt="2023-02-07T10:15:06.056" v="1" actId="20577"/>
+          <ac:spMkLst>
+            <pc:docMk/>
+            <pc:sldMk cId="903144683" sldId="258"/>
+            <ac:spMk id="162" creationId="{5D6ACD9E-047F-8292-C23E-CEEA6207D385}"/>
+          </ac:spMkLst>
+        </pc:spChg>
+        <pc:spChg chg="mod">
+          <ac:chgData name="Tang Bo" userId="332dbdf67b1791cd" providerId="LiveId" clId="{D95FFDC4-993C-4261-8C38-13C9E96352CE}" dt="2023-02-07T10:15:06.056" v="1" actId="20577"/>
+          <ac:spMkLst>
+            <pc:docMk/>
+            <pc:sldMk cId="903144683" sldId="258"/>
+            <ac:spMk id="167" creationId="{2E6107BE-8354-F828-1F48-601B4C1671B4}"/>
+          </ac:spMkLst>
+        </pc:spChg>
+        <pc:grpChg chg="mod">
+          <ac:chgData name="Tang Bo" userId="332dbdf67b1791cd" providerId="LiveId" clId="{D95FFDC4-993C-4261-8C38-13C9E96352CE}" dt="2023-02-07T10:15:06.056" v="1" actId="20577"/>
+          <ac:grpSpMkLst>
+            <pc:docMk/>
+            <pc:sldMk cId="903144683" sldId="258"/>
+            <ac:grpSpMk id="3" creationId="{F8897BE3-F48F-0AE1-C18F-9819F2DF37EE}"/>
+          </ac:grpSpMkLst>
+        </pc:grpChg>
+        <pc:grpChg chg="mod">
+          <ac:chgData name="Tang Bo" userId="332dbdf67b1791cd" providerId="LiveId" clId="{D95FFDC4-993C-4261-8C38-13C9E96352CE}" dt="2023-02-07T10:15:06.056" v="1" actId="20577"/>
+          <ac:grpSpMkLst>
+            <pc:docMk/>
+            <pc:sldMk cId="903144683" sldId="258"/>
+            <ac:grpSpMk id="4" creationId="{D37B7756-ED15-468F-34CB-C7F48BCEFCD5}"/>
+          </ac:grpSpMkLst>
+        </pc:grpChg>
+        <pc:grpChg chg="mod">
+          <ac:chgData name="Tang Bo" userId="332dbdf67b1791cd" providerId="LiveId" clId="{D95FFDC4-993C-4261-8C38-13C9E96352CE}" dt="2023-02-07T10:15:06.056" v="1" actId="20577"/>
+          <ac:grpSpMkLst>
+            <pc:docMk/>
+            <pc:sldMk cId="903144683" sldId="258"/>
+            <ac:grpSpMk id="6" creationId="{5AF0BC0E-38B5-52CD-0164-FBFEE5DD6C88}"/>
+          </ac:grpSpMkLst>
+        </pc:grpChg>
+        <pc:grpChg chg="mod">
+          <ac:chgData name="Tang Bo" userId="332dbdf67b1791cd" providerId="LiveId" clId="{D95FFDC4-993C-4261-8C38-13C9E96352CE}" dt="2023-02-07T10:15:06.056" v="1" actId="20577"/>
+          <ac:grpSpMkLst>
+            <pc:docMk/>
+            <pc:sldMk cId="903144683" sldId="258"/>
+            <ac:grpSpMk id="7" creationId="{FE928E06-400A-671B-7340-768AE72D6406}"/>
+          </ac:grpSpMkLst>
+        </pc:grpChg>
+        <pc:grpChg chg="mod">
+          <ac:chgData name="Tang Bo" userId="332dbdf67b1791cd" providerId="LiveId" clId="{D95FFDC4-993C-4261-8C38-13C9E96352CE}" dt="2023-02-07T10:15:06.056" v="1" actId="20577"/>
+          <ac:grpSpMkLst>
+            <pc:docMk/>
+            <pc:sldMk cId="903144683" sldId="258"/>
+            <ac:grpSpMk id="8" creationId="{C76DE0BD-18CD-3BAE-A4B3-5AD1F40CAD9D}"/>
+          </ac:grpSpMkLst>
+        </pc:grpChg>
+        <pc:grpChg chg="mod">
+          <ac:chgData name="Tang Bo" userId="332dbdf67b1791cd" providerId="LiveId" clId="{D95FFDC4-993C-4261-8C38-13C9E96352CE}" dt="2023-02-07T10:15:06.056" v="1" actId="20577"/>
+          <ac:grpSpMkLst>
+            <pc:docMk/>
+            <pc:sldMk cId="903144683" sldId="258"/>
+            <ac:grpSpMk id="29" creationId="{C637E150-B430-C7C6-C17F-F9805435A889}"/>
+          </ac:grpSpMkLst>
+        </pc:grpChg>
+        <pc:grpChg chg="mod">
+          <ac:chgData name="Tang Bo" userId="332dbdf67b1791cd" providerId="LiveId" clId="{D95FFDC4-993C-4261-8C38-13C9E96352CE}" dt="2023-02-07T10:15:06.056" v="1" actId="20577"/>
+          <ac:grpSpMkLst>
+            <pc:docMk/>
+            <pc:sldMk cId="903144683" sldId="258"/>
+            <ac:grpSpMk id="39" creationId="{32582263-5A5D-032E-F3E8-4C82049DB87F}"/>
+          </ac:grpSpMkLst>
+        </pc:grpChg>
+        <pc:grpChg chg="mod">
+          <ac:chgData name="Tang Bo" userId="332dbdf67b1791cd" providerId="LiveId" clId="{D95FFDC4-993C-4261-8C38-13C9E96352CE}" dt="2023-02-07T10:15:06.056" v="1" actId="20577"/>
+          <ac:grpSpMkLst>
+            <pc:docMk/>
+            <pc:sldMk cId="903144683" sldId="258"/>
+            <ac:grpSpMk id="40" creationId="{2ED30ECA-C428-B9B1-8BE2-3D0BF034B773}"/>
+          </ac:grpSpMkLst>
+        </pc:grpChg>
+        <pc:grpChg chg="mod">
+          <ac:chgData name="Tang Bo" userId="332dbdf67b1791cd" providerId="LiveId" clId="{D95FFDC4-993C-4261-8C38-13C9E96352CE}" dt="2023-02-07T10:15:06.056" v="1" actId="20577"/>
+          <ac:grpSpMkLst>
+            <pc:docMk/>
+            <pc:sldMk cId="903144683" sldId="258"/>
+            <ac:grpSpMk id="46" creationId="{62336D6E-AE65-EC93-9F90-AE2D26816950}"/>
+          </ac:grpSpMkLst>
+        </pc:grpChg>
+        <pc:grpChg chg="mod">
+          <ac:chgData name="Tang Bo" userId="332dbdf67b1791cd" providerId="LiveId" clId="{D95FFDC4-993C-4261-8C38-13C9E96352CE}" dt="2023-02-07T10:15:06.056" v="1" actId="20577"/>
+          <ac:grpSpMkLst>
+            <pc:docMk/>
+            <pc:sldMk cId="903144683" sldId="258"/>
+            <ac:grpSpMk id="52" creationId="{8FBCC780-399C-C861-647D-105BC74A6025}"/>
+          </ac:grpSpMkLst>
+        </pc:grpChg>
+        <pc:grpChg chg="mod">
+          <ac:chgData name="Tang Bo" userId="332dbdf67b1791cd" providerId="LiveId" clId="{D95FFDC4-993C-4261-8C38-13C9E96352CE}" dt="2023-02-07T10:15:06.056" v="1" actId="20577"/>
+          <ac:grpSpMkLst>
+            <pc:docMk/>
+            <pc:sldMk cId="903144683" sldId="258"/>
+            <ac:grpSpMk id="58" creationId="{6C91614F-7E1E-C352-33B3-4312A9C53A13}"/>
+          </ac:grpSpMkLst>
+        </pc:grpChg>
+        <pc:grpChg chg="mod">
+          <ac:chgData name="Tang Bo" userId="332dbdf67b1791cd" providerId="LiveId" clId="{D95FFDC4-993C-4261-8C38-13C9E96352CE}" dt="2023-02-07T10:15:06.056" v="1" actId="20577"/>
+          <ac:grpSpMkLst>
+            <pc:docMk/>
+            <pc:sldMk cId="903144683" sldId="258"/>
+            <ac:grpSpMk id="86" creationId="{DF97FB04-790E-B857-2283-636BC8301D63}"/>
+          </ac:grpSpMkLst>
+        </pc:grpChg>
+        <pc:grpChg chg="mod">
+          <ac:chgData name="Tang Bo" userId="332dbdf67b1791cd" providerId="LiveId" clId="{D95FFDC4-993C-4261-8C38-13C9E96352CE}" dt="2023-02-07T10:15:06.056" v="1" actId="20577"/>
+          <ac:grpSpMkLst>
+            <pc:docMk/>
+            <pc:sldMk cId="903144683" sldId="258"/>
+            <ac:grpSpMk id="106" creationId="{8E27E516-5ABA-7314-C07A-1A263E698FF5}"/>
+          </ac:grpSpMkLst>
+        </pc:grpChg>
+        <pc:grpChg chg="mod">
+          <ac:chgData name="Tang Bo" userId="332dbdf67b1791cd" providerId="LiveId" clId="{D95FFDC4-993C-4261-8C38-13C9E96352CE}" dt="2023-02-07T10:15:06.056" v="1" actId="20577"/>
+          <ac:grpSpMkLst>
+            <pc:docMk/>
+            <pc:sldMk cId="903144683" sldId="258"/>
+            <ac:grpSpMk id="110" creationId="{194B41A5-FBB9-4754-3065-10A5C98CE92C}"/>
+          </ac:grpSpMkLst>
+        </pc:grpChg>
+        <pc:grpChg chg="mod">
+          <ac:chgData name="Tang Bo" userId="332dbdf67b1791cd" providerId="LiveId" clId="{D95FFDC4-993C-4261-8C38-13C9E96352CE}" dt="2023-02-07T10:15:06.056" v="1" actId="20577"/>
+          <ac:grpSpMkLst>
+            <pc:docMk/>
+            <pc:sldMk cId="903144683" sldId="258"/>
+            <ac:grpSpMk id="115" creationId="{8C6ADE4E-6C50-C509-260F-9CEB3B727FCC}"/>
+          </ac:grpSpMkLst>
+        </pc:grpChg>
+        <pc:grpChg chg="mod">
+          <ac:chgData name="Tang Bo" userId="332dbdf67b1791cd" providerId="LiveId" clId="{D95FFDC4-993C-4261-8C38-13C9E96352CE}" dt="2023-02-07T10:15:06.056" v="1" actId="20577"/>
+          <ac:grpSpMkLst>
+            <pc:docMk/>
+            <pc:sldMk cId="903144683" sldId="258"/>
+            <ac:grpSpMk id="119" creationId="{0B8FC9C3-AC94-804C-9046-00138774DB10}"/>
+          </ac:grpSpMkLst>
+        </pc:grpChg>
+        <pc:grpChg chg="mod">
+          <ac:chgData name="Tang Bo" userId="332dbdf67b1791cd" providerId="LiveId" clId="{D95FFDC4-993C-4261-8C38-13C9E96352CE}" dt="2023-02-07T10:15:06.056" v="1" actId="20577"/>
+          <ac:grpSpMkLst>
+            <pc:docMk/>
+            <pc:sldMk cId="903144683" sldId="258"/>
+            <ac:grpSpMk id="125" creationId="{C3FB8510-3181-B5DA-6C8E-DF6A0CF9819A}"/>
+          </ac:grpSpMkLst>
+        </pc:grpChg>
+        <pc:grpChg chg="mod">
+          <ac:chgData name="Tang Bo" userId="332dbdf67b1791cd" providerId="LiveId" clId="{D95FFDC4-993C-4261-8C38-13C9E96352CE}" dt="2023-02-07T10:15:06.056" v="1" actId="20577"/>
+          <ac:grpSpMkLst>
+            <pc:docMk/>
+            <pc:sldMk cId="903144683" sldId="258"/>
+            <ac:grpSpMk id="129" creationId="{CA7D9F32-7825-BE0D-69D6-51DD17276ADF}"/>
+          </ac:grpSpMkLst>
+        </pc:grpChg>
+        <pc:grpChg chg="mod">
+          <ac:chgData name="Tang Bo" userId="332dbdf67b1791cd" providerId="LiveId" clId="{D95FFDC4-993C-4261-8C38-13C9E96352CE}" dt="2023-02-07T10:15:06.056" v="1" actId="20577"/>
+          <ac:grpSpMkLst>
+            <pc:docMk/>
+            <pc:sldMk cId="903144683" sldId="258"/>
+            <ac:grpSpMk id="157" creationId="{F05FAF49-B059-6F0E-DAAF-95C44CBDF259}"/>
+          </ac:grpSpMkLst>
+        </pc:grpChg>
+        <pc:grpChg chg="mod">
+          <ac:chgData name="Tang Bo" userId="332dbdf67b1791cd" providerId="LiveId" clId="{D95FFDC4-993C-4261-8C38-13C9E96352CE}" dt="2023-02-07T10:15:06.056" v="1" actId="20577"/>
+          <ac:grpSpMkLst>
+            <pc:docMk/>
+            <pc:sldMk cId="903144683" sldId="258"/>
+            <ac:grpSpMk id="158" creationId="{13A57E03-5C9C-8EF6-6535-546F9D4B7969}"/>
+          </ac:grpSpMkLst>
+        </pc:grpChg>
+        <pc:grpChg chg="mod">
+          <ac:chgData name="Tang Bo" userId="332dbdf67b1791cd" providerId="LiveId" clId="{D95FFDC4-993C-4261-8C38-13C9E96352CE}" dt="2023-02-07T10:15:06.056" v="1" actId="20577"/>
+          <ac:grpSpMkLst>
+            <pc:docMk/>
+            <pc:sldMk cId="903144683" sldId="258"/>
+            <ac:grpSpMk id="159" creationId="{7A587F0B-6F20-70B5-2352-E1CE5AE77B9D}"/>
+          </ac:grpSpMkLst>
+        </pc:grpChg>
+        <pc:cxnChg chg="mod">
+          <ac:chgData name="Tang Bo" userId="332dbdf67b1791cd" providerId="LiveId" clId="{D95FFDC4-993C-4261-8C38-13C9E96352CE}" dt="2023-02-07T10:15:06.056" v="1" actId="20577"/>
+          <ac:cxnSpMkLst>
+            <pc:docMk/>
+            <pc:sldMk cId="903144683" sldId="258"/>
+            <ac:cxnSpMk id="30" creationId="{CD1358C5-8506-5B31-084D-7DBF902EEA9A}"/>
+          </ac:cxnSpMkLst>
+        </pc:cxnChg>
+        <pc:cxnChg chg="mod">
+          <ac:chgData name="Tang Bo" userId="332dbdf67b1791cd" providerId="LiveId" clId="{D95FFDC4-993C-4261-8C38-13C9E96352CE}" dt="2023-02-07T10:15:06.056" v="1" actId="20577"/>
+          <ac:cxnSpMkLst>
+            <pc:docMk/>
+            <pc:sldMk cId="903144683" sldId="258"/>
+            <ac:cxnSpMk id="32" creationId="{A8BDB586-9E22-45BF-59E8-0E58C51960B2}"/>
+          </ac:cxnSpMkLst>
+        </pc:cxnChg>
+        <pc:cxnChg chg="mod">
+          <ac:chgData name="Tang Bo" userId="332dbdf67b1791cd" providerId="LiveId" clId="{D95FFDC4-993C-4261-8C38-13C9E96352CE}" dt="2023-02-07T10:15:06.056" v="1" actId="20577"/>
+          <ac:cxnSpMkLst>
+            <pc:docMk/>
+            <pc:sldMk cId="903144683" sldId="258"/>
+            <ac:cxnSpMk id="33" creationId="{BE1A2854-FEA1-3D5F-CFF4-0AE94CF7AB4A}"/>
+          </ac:cxnSpMkLst>
+        </pc:cxnChg>
+        <pc:cxnChg chg="mod">
+          <ac:chgData name="Tang Bo" userId="332dbdf67b1791cd" providerId="LiveId" clId="{D95FFDC4-993C-4261-8C38-13C9E96352CE}" dt="2023-02-07T10:15:06.056" v="1" actId="20577"/>
+          <ac:cxnSpMkLst>
+            <pc:docMk/>
+            <pc:sldMk cId="903144683" sldId="258"/>
+            <ac:cxnSpMk id="67" creationId="{9CE9C86F-3416-1B0B-8DAA-E9589C37B2E7}"/>
+          </ac:cxnSpMkLst>
+        </pc:cxnChg>
+        <pc:cxnChg chg="mod">
+          <ac:chgData name="Tang Bo" userId="332dbdf67b1791cd" providerId="LiveId" clId="{D95FFDC4-993C-4261-8C38-13C9E96352CE}" dt="2023-02-07T10:15:06.056" v="1" actId="20577"/>
+          <ac:cxnSpMkLst>
+            <pc:docMk/>
+            <pc:sldMk cId="903144683" sldId="258"/>
+            <ac:cxnSpMk id="68" creationId="{A8340618-65CB-6D5F-EBED-4ADE34C227CF}"/>
+          </ac:cxnSpMkLst>
+        </pc:cxnChg>
+        <pc:cxnChg chg="mod">
+          <ac:chgData name="Tang Bo" userId="332dbdf67b1791cd" providerId="LiveId" clId="{D95FFDC4-993C-4261-8C38-13C9E96352CE}" dt="2023-02-07T10:15:06.056" v="1" actId="20577"/>
+          <ac:cxnSpMkLst>
+            <pc:docMk/>
+            <pc:sldMk cId="903144683" sldId="258"/>
+            <ac:cxnSpMk id="69" creationId="{A8644BF1-6DEB-EFC3-F049-7CA1AE7D40C3}"/>
+          </ac:cxnSpMkLst>
+        </pc:cxnChg>
+        <pc:cxnChg chg="mod">
+          <ac:chgData name="Tang Bo" userId="332dbdf67b1791cd" providerId="LiveId" clId="{D95FFDC4-993C-4261-8C38-13C9E96352CE}" dt="2023-02-07T10:15:06.056" v="1" actId="20577"/>
+          <ac:cxnSpMkLst>
+            <pc:docMk/>
+            <pc:sldMk cId="903144683" sldId="258"/>
+            <ac:cxnSpMk id="70" creationId="{EC6E529B-3947-A068-082E-09E7F71CDF21}"/>
+          </ac:cxnSpMkLst>
+        </pc:cxnChg>
+        <pc:cxnChg chg="mod">
+          <ac:chgData name="Tang Bo" userId="332dbdf67b1791cd" providerId="LiveId" clId="{D95FFDC4-993C-4261-8C38-13C9E96352CE}" dt="2023-02-07T10:15:06.056" v="1" actId="20577"/>
+          <ac:cxnSpMkLst>
+            <pc:docMk/>
+            <pc:sldMk cId="903144683" sldId="258"/>
+            <ac:cxnSpMk id="71" creationId="{F598D638-4A0D-BB1E-5C3D-89F0249AE62E}"/>
+          </ac:cxnSpMkLst>
+        </pc:cxnChg>
+        <pc:cxnChg chg="mod">
+          <ac:chgData name="Tang Bo" userId="332dbdf67b1791cd" providerId="LiveId" clId="{D95FFDC4-993C-4261-8C38-13C9E96352CE}" dt="2023-02-07T10:15:06.056" v="1" actId="20577"/>
+          <ac:cxnSpMkLst>
+            <pc:docMk/>
+            <pc:sldMk cId="903144683" sldId="258"/>
+            <ac:cxnSpMk id="72" creationId="{10FB1A34-1923-2686-FCD8-25626F0386D0}"/>
+          </ac:cxnSpMkLst>
+        </pc:cxnChg>
+        <pc:cxnChg chg="mod">
+          <ac:chgData name="Tang Bo" userId="332dbdf67b1791cd" providerId="LiveId" clId="{D95FFDC4-993C-4261-8C38-13C9E96352CE}" dt="2023-02-07T10:15:06.056" v="1" actId="20577"/>
+          <ac:cxnSpMkLst>
+            <pc:docMk/>
+            <pc:sldMk cId="903144683" sldId="258"/>
+            <ac:cxnSpMk id="73" creationId="{82400E5C-442F-8041-4D8F-E39AC7D5B7A7}"/>
+          </ac:cxnSpMkLst>
+        </pc:cxnChg>
+        <pc:cxnChg chg="mod">
+          <ac:chgData name="Tang Bo" userId="332dbdf67b1791cd" providerId="LiveId" clId="{D95FFDC4-993C-4261-8C38-13C9E96352CE}" dt="2023-02-07T10:15:06.056" v="1" actId="20577"/>
+          <ac:cxnSpMkLst>
+            <pc:docMk/>
+            <pc:sldMk cId="903144683" sldId="258"/>
+            <ac:cxnSpMk id="74" creationId="{A6BBFB57-F465-29C1-798A-2E577E9CF2EB}"/>
+          </ac:cxnSpMkLst>
+        </pc:cxnChg>
+        <pc:cxnChg chg="mod">
+          <ac:chgData name="Tang Bo" userId="332dbdf67b1791cd" providerId="LiveId" clId="{D95FFDC4-993C-4261-8C38-13C9E96352CE}" dt="2023-02-07T10:15:06.056" v="1" actId="20577"/>
+          <ac:cxnSpMkLst>
+            <pc:docMk/>
+            <pc:sldMk cId="903144683" sldId="258"/>
+            <ac:cxnSpMk id="75" creationId="{A2B9FCB3-34E5-0E5A-28B2-2435833D6E35}"/>
+          </ac:cxnSpMkLst>
+        </pc:cxnChg>
+        <pc:cxnChg chg="mod">
+          <ac:chgData name="Tang Bo" userId="332dbdf67b1791cd" providerId="LiveId" clId="{D95FFDC4-993C-4261-8C38-13C9E96352CE}" dt="2023-02-07T10:15:06.056" v="1" actId="20577"/>
+          <ac:cxnSpMkLst>
+            <pc:docMk/>
+            <pc:sldMk cId="903144683" sldId="258"/>
+            <ac:cxnSpMk id="76" creationId="{B337FFA1-5E51-34FE-07C2-68CA1AF69058}"/>
+          </ac:cxnSpMkLst>
+        </pc:cxnChg>
+        <pc:cxnChg chg="mod">
+          <ac:chgData name="Tang Bo" userId="332dbdf67b1791cd" providerId="LiveId" clId="{D95FFDC4-993C-4261-8C38-13C9E96352CE}" dt="2023-02-07T10:15:06.056" v="1" actId="20577"/>
+          <ac:cxnSpMkLst>
+            <pc:docMk/>
+            <pc:sldMk cId="903144683" sldId="258"/>
+            <ac:cxnSpMk id="77" creationId="{C1EEB638-3DA8-87FA-A0C8-F777B700B080}"/>
+          </ac:cxnSpMkLst>
+        </pc:cxnChg>
+        <pc:cxnChg chg="mod">
+          <ac:chgData name="Tang Bo" userId="332dbdf67b1791cd" providerId="LiveId" clId="{D95FFDC4-993C-4261-8C38-13C9E96352CE}" dt="2023-02-07T10:15:06.056" v="1" actId="20577"/>
+          <ac:cxnSpMkLst>
+            <pc:docMk/>
+            <pc:sldMk cId="903144683" sldId="258"/>
+            <ac:cxnSpMk id="78" creationId="{1D1152CF-91C8-C80C-94FF-E59FEDE94B85}"/>
+          </ac:cxnSpMkLst>
+        </pc:cxnChg>
+        <pc:cxnChg chg="mod">
+          <ac:chgData name="Tang Bo" userId="332dbdf67b1791cd" providerId="LiveId" clId="{D95FFDC4-993C-4261-8C38-13C9E96352CE}" dt="2023-02-07T10:15:06.056" v="1" actId="20577"/>
+          <ac:cxnSpMkLst>
+            <pc:docMk/>
+            <pc:sldMk cId="903144683" sldId="258"/>
+            <ac:cxnSpMk id="79" creationId="{009D0C99-B203-C57B-40FD-D8959387A7F0}"/>
+          </ac:cxnSpMkLst>
+        </pc:cxnChg>
+        <pc:cxnChg chg="mod">
+          <ac:chgData name="Tang Bo" userId="332dbdf67b1791cd" providerId="LiveId" clId="{D95FFDC4-993C-4261-8C38-13C9E96352CE}" dt="2023-02-07T10:15:06.056" v="1" actId="20577"/>
+          <ac:cxnSpMkLst>
+            <pc:docMk/>
+            <pc:sldMk cId="903144683" sldId="258"/>
+            <ac:cxnSpMk id="80" creationId="{CC15994B-A259-B1CA-8F6A-E603DDDAE482}"/>
+          </ac:cxnSpMkLst>
+        </pc:cxnChg>
+        <pc:cxnChg chg="mod">
+          <ac:chgData name="Tang Bo" userId="332dbdf67b1791cd" providerId="LiveId" clId="{D95FFDC4-993C-4261-8C38-13C9E96352CE}" dt="2023-02-07T10:15:06.056" v="1" actId="20577"/>
+          <ac:cxnSpMkLst>
+            <pc:docMk/>
+            <pc:sldMk cId="903144683" sldId="258"/>
+            <ac:cxnSpMk id="81" creationId="{A37AF89B-9BF2-9DA0-D54C-99BA4CE789BD}"/>
+          </ac:cxnSpMkLst>
+        </pc:cxnChg>
+        <pc:cxnChg chg="mod">
+          <ac:chgData name="Tang Bo" userId="332dbdf67b1791cd" providerId="LiveId" clId="{D95FFDC4-993C-4261-8C38-13C9E96352CE}" dt="2023-02-07T10:15:06.056" v="1" actId="20577"/>
+          <ac:cxnSpMkLst>
+            <pc:docMk/>
+            <pc:sldMk cId="903144683" sldId="258"/>
+            <ac:cxnSpMk id="83" creationId="{DAE23BE7-AB6A-E33D-4997-B696AE55EE25}"/>
+          </ac:cxnSpMkLst>
+        </pc:cxnChg>
+        <pc:cxnChg chg="mod">
+          <ac:chgData name="Tang Bo" userId="332dbdf67b1791cd" providerId="LiveId" clId="{D95FFDC4-993C-4261-8C38-13C9E96352CE}" dt="2023-02-07T10:15:06.056" v="1" actId="20577"/>
+          <ac:cxnSpMkLst>
+            <pc:docMk/>
+            <pc:sldMk cId="903144683" sldId="258"/>
+            <ac:cxnSpMk id="85" creationId="{1C81EF73-6B32-B760-F894-9F7C4723B193}"/>
+          </ac:cxnSpMkLst>
+        </pc:cxnChg>
+        <pc:cxnChg chg="mod">
+          <ac:chgData name="Tang Bo" userId="332dbdf67b1791cd" providerId="LiveId" clId="{D95FFDC4-993C-4261-8C38-13C9E96352CE}" dt="2023-02-07T10:15:06.056" v="1" actId="20577"/>
+          <ac:cxnSpMkLst>
+            <pc:docMk/>
+            <pc:sldMk cId="903144683" sldId="258"/>
+            <ac:cxnSpMk id="96" creationId="{50CD7640-EBE4-AFAB-0D32-AFAC8BDE61E6}"/>
+          </ac:cxnSpMkLst>
+        </pc:cxnChg>
+        <pc:cxnChg chg="mod">
+          <ac:chgData name="Tang Bo" userId="332dbdf67b1791cd" providerId="LiveId" clId="{D95FFDC4-993C-4261-8C38-13C9E96352CE}" dt="2023-02-07T10:15:06.056" v="1" actId="20577"/>
+          <ac:cxnSpMkLst>
+            <pc:docMk/>
+            <pc:sldMk cId="903144683" sldId="258"/>
+            <ac:cxnSpMk id="97" creationId="{1ED7570B-45B4-7AA2-7A3C-A4CF64CDBD7F}"/>
+          </ac:cxnSpMkLst>
+        </pc:cxnChg>
+        <pc:cxnChg chg="mod">
+          <ac:chgData name="Tang Bo" userId="332dbdf67b1791cd" providerId="LiveId" clId="{D95FFDC4-993C-4261-8C38-13C9E96352CE}" dt="2023-02-07T10:15:06.056" v="1" actId="20577"/>
+          <ac:cxnSpMkLst>
+            <pc:docMk/>
+            <pc:sldMk cId="903144683" sldId="258"/>
+            <ac:cxnSpMk id="134" creationId="{A3844D1D-B66D-EC11-C119-9D8AF6A67ADF}"/>
+          </ac:cxnSpMkLst>
+        </pc:cxnChg>
+        <pc:cxnChg chg="mod">
+          <ac:chgData name="Tang Bo" userId="332dbdf67b1791cd" providerId="LiveId" clId="{D95FFDC4-993C-4261-8C38-13C9E96352CE}" dt="2023-02-07T10:15:06.056" v="1" actId="20577"/>
+          <ac:cxnSpMkLst>
+            <pc:docMk/>
+            <pc:sldMk cId="903144683" sldId="258"/>
+            <ac:cxnSpMk id="136" creationId="{04F494DD-0A2C-D11C-25C7-C04294051156}"/>
+          </ac:cxnSpMkLst>
+        </pc:cxnChg>
+        <pc:cxnChg chg="mod">
+          <ac:chgData name="Tang Bo" userId="332dbdf67b1791cd" providerId="LiveId" clId="{D95FFDC4-993C-4261-8C38-13C9E96352CE}" dt="2023-02-07T10:15:06.056" v="1" actId="20577"/>
+          <ac:cxnSpMkLst>
+            <pc:docMk/>
+            <pc:sldMk cId="903144683" sldId="258"/>
+            <ac:cxnSpMk id="140" creationId="{773AC099-0FDB-49F1-A6C6-284A694A5187}"/>
+          </ac:cxnSpMkLst>
+        </pc:cxnChg>
+        <pc:cxnChg chg="mod">
+          <ac:chgData name="Tang Bo" userId="332dbdf67b1791cd" providerId="LiveId" clId="{D95FFDC4-993C-4261-8C38-13C9E96352CE}" dt="2023-02-07T10:15:06.056" v="1" actId="20577"/>
+          <ac:cxnSpMkLst>
+            <pc:docMk/>
+            <pc:sldMk cId="903144683" sldId="258"/>
+            <ac:cxnSpMk id="142" creationId="{2C32A24D-A506-264B-6531-AF5533DAD085}"/>
+          </ac:cxnSpMkLst>
+        </pc:cxnChg>
+        <pc:cxnChg chg="mod">
+          <ac:chgData name="Tang Bo" userId="332dbdf67b1791cd" providerId="LiveId" clId="{D95FFDC4-993C-4261-8C38-13C9E96352CE}" dt="2023-02-07T10:15:06.056" v="1" actId="20577"/>
+          <ac:cxnSpMkLst>
+            <pc:docMk/>
+            <pc:sldMk cId="903144683" sldId="258"/>
+            <ac:cxnSpMk id="147" creationId="{8B53780E-3C03-AEC2-5DD5-05494A664E8D}"/>
+          </ac:cxnSpMkLst>
+        </pc:cxnChg>
+        <pc:cxnChg chg="mod">
+          <ac:chgData name="Tang Bo" userId="332dbdf67b1791cd" providerId="LiveId" clId="{D95FFDC4-993C-4261-8C38-13C9E96352CE}" dt="2023-02-07T10:15:06.056" v="1" actId="20577"/>
+          <ac:cxnSpMkLst>
+            <pc:docMk/>
+            <pc:sldMk cId="903144683" sldId="258"/>
+            <ac:cxnSpMk id="149" creationId="{57C81739-B433-BCC7-C598-A98374BAE2FD}"/>
+          </ac:cxnSpMkLst>
+        </pc:cxnChg>
+        <pc:cxnChg chg="mod">
+          <ac:chgData name="Tang Bo" userId="332dbdf67b1791cd" providerId="LiveId" clId="{D95FFDC4-993C-4261-8C38-13C9E96352CE}" dt="2023-02-07T10:15:06.056" v="1" actId="20577"/>
+          <ac:cxnSpMkLst>
+            <pc:docMk/>
+            <pc:sldMk cId="903144683" sldId="258"/>
+            <ac:cxnSpMk id="163" creationId="{156CA9A0-8ADB-1A27-7AB6-334C5B7BE9EF}"/>
+          </ac:cxnSpMkLst>
+        </pc:cxnChg>
+        <pc:cxnChg chg="mod">
+          <ac:chgData name="Tang Bo" userId="332dbdf67b1791cd" providerId="LiveId" clId="{D95FFDC4-993C-4261-8C38-13C9E96352CE}" dt="2023-02-07T10:15:06.056" v="1" actId="20577"/>
           <ac:cxnSpMkLst>
             <pc:docMk/>
             <pc:sldMk cId="903144683" sldId="258"/>
@@ -6797,7 +7637,7 @@
           <a:p>
             <a:fld id="{C1A5EABA-AD25-44FA-B75F-E7FC5D711D84}" type="datetimeFigureOut">
               <a:rPr lang="en-US" smtClean="0"/>
-              <a:t>1/29/2023</a:t>
+              <a:t>2/7/2023</a:t>
             </a:fld>
             <a:endParaRPr lang="en-US"/>
           </a:p>
@@ -6967,7 +7807,7 @@
           <a:p>
             <a:fld id="{C1A5EABA-AD25-44FA-B75F-E7FC5D711D84}" type="datetimeFigureOut">
               <a:rPr lang="en-US" smtClean="0"/>
-              <a:t>1/29/2023</a:t>
+              <a:t>2/7/2023</a:t>
             </a:fld>
             <a:endParaRPr lang="en-US"/>
           </a:p>
@@ -7147,7 +7987,7 @@
           <a:p>
             <a:fld id="{C1A5EABA-AD25-44FA-B75F-E7FC5D711D84}" type="datetimeFigureOut">
               <a:rPr lang="en-US" smtClean="0"/>
-              <a:t>1/29/2023</a:t>
+              <a:t>2/7/2023</a:t>
             </a:fld>
             <a:endParaRPr lang="en-US"/>
           </a:p>
@@ -7317,7 +8157,7 @@
           <a:p>
             <a:fld id="{C1A5EABA-AD25-44FA-B75F-E7FC5D711D84}" type="datetimeFigureOut">
               <a:rPr lang="en-US" smtClean="0"/>
-              <a:t>1/29/2023</a:t>
+              <a:t>2/7/2023</a:t>
             </a:fld>
             <a:endParaRPr lang="en-US"/>
           </a:p>
@@ -7563,7 +8403,7 @@
           <a:p>
             <a:fld id="{C1A5EABA-AD25-44FA-B75F-E7FC5D711D84}" type="datetimeFigureOut">
               <a:rPr lang="en-US" smtClean="0"/>
-              <a:t>1/29/2023</a:t>
+              <a:t>2/7/2023</a:t>
             </a:fld>
             <a:endParaRPr lang="en-US"/>
           </a:p>
@@ -7795,7 +8635,7 @@
           <a:p>
             <a:fld id="{C1A5EABA-AD25-44FA-B75F-E7FC5D711D84}" type="datetimeFigureOut">
               <a:rPr lang="en-US" smtClean="0"/>
-              <a:t>1/29/2023</a:t>
+              <a:t>2/7/2023</a:t>
             </a:fld>
             <a:endParaRPr lang="en-US"/>
           </a:p>
@@ -8162,7 +9002,7 @@
           <a:p>
             <a:fld id="{C1A5EABA-AD25-44FA-B75F-E7FC5D711D84}" type="datetimeFigureOut">
               <a:rPr lang="en-US" smtClean="0"/>
-              <a:t>1/29/2023</a:t>
+              <a:t>2/7/2023</a:t>
             </a:fld>
             <a:endParaRPr lang="en-US"/>
           </a:p>
@@ -8280,7 +9120,7 @@
           <a:p>
             <a:fld id="{C1A5EABA-AD25-44FA-B75F-E7FC5D711D84}" type="datetimeFigureOut">
               <a:rPr lang="en-US" smtClean="0"/>
-              <a:t>1/29/2023</a:t>
+              <a:t>2/7/2023</a:t>
             </a:fld>
             <a:endParaRPr lang="en-US"/>
           </a:p>
@@ -8375,7 +9215,7 @@
           <a:p>
             <a:fld id="{C1A5EABA-AD25-44FA-B75F-E7FC5D711D84}" type="datetimeFigureOut">
               <a:rPr lang="en-US" smtClean="0"/>
-              <a:t>1/29/2023</a:t>
+              <a:t>2/7/2023</a:t>
             </a:fld>
             <a:endParaRPr lang="en-US"/>
           </a:p>
@@ -8652,7 +9492,7 @@
           <a:p>
             <a:fld id="{C1A5EABA-AD25-44FA-B75F-E7FC5D711D84}" type="datetimeFigureOut">
               <a:rPr lang="en-US" smtClean="0"/>
-              <a:t>1/29/2023</a:t>
+              <a:t>2/7/2023</a:t>
             </a:fld>
             <a:endParaRPr lang="en-US"/>
           </a:p>
@@ -8909,7 +9749,7 @@
           <a:p>
             <a:fld id="{C1A5EABA-AD25-44FA-B75F-E7FC5D711D84}" type="datetimeFigureOut">
               <a:rPr lang="en-US" smtClean="0"/>
-              <a:t>1/29/2023</a:t>
+              <a:t>2/7/2023</a:t>
             </a:fld>
             <a:endParaRPr lang="en-US"/>
           </a:p>
@@ -9122,7 +9962,7 @@
           <a:p>
             <a:fld id="{C1A5EABA-AD25-44FA-B75F-E7FC5D711D84}" type="datetimeFigureOut">
               <a:rPr lang="en-US" smtClean="0"/>
-              <a:t>1/29/2023</a:t>
+              <a:t>2/7/2023</a:t>
             </a:fld>
             <a:endParaRPr lang="en-US"/>
           </a:p>
@@ -21045,8 +21885,8 @@
             </p:txBody>
           </p:sp>
         </p:grpSp>
-        <mc:AlternateContent xmlns:mc="http://schemas.openxmlformats.org/markup-compatibility/2006">
-          <mc:Choice xmlns:a14="http://schemas.microsoft.com/office/drawing/2010/main" Requires="a14">
+        <mc:AlternateContent xmlns:mc="http://schemas.openxmlformats.org/markup-compatibility/2006" xmlns:a14="http://schemas.microsoft.com/office/drawing/2010/main">
+          <mc:Choice Requires="a14">
             <p:sp>
               <p:nvSpPr>
                 <p:cNvPr id="152" name="TextBox 151">
@@ -21227,7 +22067,7 @@
               </p:txBody>
             </p:sp>
           </mc:Choice>
-          <mc:Fallback>
+          <mc:Fallback xmlns="">
             <p:sp>
               <p:nvSpPr>
                 <p:cNvPr id="152" name="TextBox 151">
@@ -21742,8 +22582,8 @@
             </a:fontRef>
           </p:style>
         </p:cxnSp>
-        <mc:AlternateContent xmlns:mc="http://schemas.openxmlformats.org/markup-compatibility/2006" xmlns:a14="http://schemas.microsoft.com/office/drawing/2010/main">
-          <mc:Choice Requires="a14">
+        <mc:AlternateContent xmlns:mc="http://schemas.openxmlformats.org/markup-compatibility/2006">
+          <mc:Choice xmlns:a14="http://schemas.microsoft.com/office/drawing/2010/main" Requires="a14">
             <p:sp>
               <p:nvSpPr>
                 <p:cNvPr id="167" name="TextBox 166">
@@ -21759,7 +22599,7 @@
               <p:spPr>
                 <a:xfrm>
                   <a:off x="4923775" y="2522763"/>
-                  <a:ext cx="925479" cy="276999"/>
+                  <a:ext cx="925479" cy="281167"/>
                 </a:xfrm>
                 <a:prstGeom prst="rect">
                   <a:avLst/>
@@ -21782,7 +22622,7 @@
                         <m:sSup>
                           <m:sSupPr>
                             <m:ctrlPr>
-                              <a:rPr lang="en-US" sz="1200" b="1" i="1">
+                              <a:rPr lang="en-US" sz="1200" b="1" i="1" smtClean="0">
                                 <a:solidFill>
                                   <a:srgbClr val="002F65"/>
                                 </a:solidFill>
@@ -21818,13 +22658,13 @@
                           </m:e>
                           <m:sup>
                             <m:r>
-                              <a:rPr lang="en-US" sz="1200" i="1">
+                              <a:rPr lang="en-US" sz="1200" b="1" i="1" smtClean="0">
                                 <a:solidFill>
                                   <a:srgbClr val="002F65"/>
                                 </a:solidFill>
                                 <a:latin typeface="Cambria Math" panose="02040503050406030204" pitchFamily="18" charset="0"/>
                               </a:rPr>
-                              <m:t>𝑡</m:t>
+                              <m:t>𝟑</m:t>
                             </m:r>
                           </m:sup>
                         </m:sSup>
@@ -21840,7 +22680,7 @@
               </p:txBody>
             </p:sp>
           </mc:Choice>
-          <mc:Fallback xmlns="">
+          <mc:Fallback>
             <p:sp>
               <p:nvSpPr>
                 <p:cNvPr id="167" name="TextBox 166">
@@ -21858,7 +22698,7 @@
               <p:spPr>
                 <a:xfrm>
                   <a:off x="4923775" y="2522763"/>
-                  <a:ext cx="925479" cy="276999"/>
+                  <a:ext cx="925479" cy="281167"/>
                 </a:xfrm>
                 <a:prstGeom prst="rect">
                   <a:avLst/>
